--- a/docs/diagrams/SetTagCommandSequence.pptx
+++ b/docs/diagrams/SetTagCommandSequence.pptx
@@ -208,7 +208,7 @@
           <a:p>
             <a:fld id="{F5CC4B3F-88C1-4FFA-B1B6-F41C21DC6924}" type="datetimeFigureOut">
               <a:rPr lang="en-US" smtClean="0"/>
-              <a:t>4/10/18</a:t>
+              <a:t>4/14/18</a:t>
             </a:fld>
             <a:endParaRPr lang="en-US"/>
           </a:p>
@@ -654,7 +654,7 @@
           <a:p>
             <a:fld id="{78C97017-6FC3-485B-9764-EAC9E56C1D49}" type="datetimeFigureOut">
               <a:rPr lang="en-US" smtClean="0"/>
-              <a:t>4/10/18</a:t>
+              <a:t>4/14/18</a:t>
             </a:fld>
             <a:endParaRPr lang="en-US"/>
           </a:p>
@@ -822,7 +822,7 @@
           <a:p>
             <a:fld id="{78C97017-6FC3-485B-9764-EAC9E56C1D49}" type="datetimeFigureOut">
               <a:rPr lang="en-US" smtClean="0"/>
-              <a:t>4/10/18</a:t>
+              <a:t>4/14/18</a:t>
             </a:fld>
             <a:endParaRPr lang="en-US"/>
           </a:p>
@@ -1000,7 +1000,7 @@
           <a:p>
             <a:fld id="{78C97017-6FC3-485B-9764-EAC9E56C1D49}" type="datetimeFigureOut">
               <a:rPr lang="en-US" smtClean="0"/>
-              <a:t>4/10/18</a:t>
+              <a:t>4/14/18</a:t>
             </a:fld>
             <a:endParaRPr lang="en-US"/>
           </a:p>
@@ -1168,7 +1168,7 @@
           <a:p>
             <a:fld id="{78C97017-6FC3-485B-9764-EAC9E56C1D49}" type="datetimeFigureOut">
               <a:rPr lang="en-US" smtClean="0"/>
-              <a:t>4/10/18</a:t>
+              <a:t>4/14/18</a:t>
             </a:fld>
             <a:endParaRPr lang="en-US"/>
           </a:p>
@@ -1413,7 +1413,7 @@
           <a:p>
             <a:fld id="{78C97017-6FC3-485B-9764-EAC9E56C1D49}" type="datetimeFigureOut">
               <a:rPr lang="en-US" smtClean="0"/>
-              <a:t>4/10/18</a:t>
+              <a:t>4/14/18</a:t>
             </a:fld>
             <a:endParaRPr lang="en-US"/>
           </a:p>
@@ -1698,7 +1698,7 @@
           <a:p>
             <a:fld id="{78C97017-6FC3-485B-9764-EAC9E56C1D49}" type="datetimeFigureOut">
               <a:rPr lang="en-US" smtClean="0"/>
-              <a:t>4/10/18</a:t>
+              <a:t>4/14/18</a:t>
             </a:fld>
             <a:endParaRPr lang="en-US"/>
           </a:p>
@@ -2117,7 +2117,7 @@
           <a:p>
             <a:fld id="{78C97017-6FC3-485B-9764-EAC9E56C1D49}" type="datetimeFigureOut">
               <a:rPr lang="en-US" smtClean="0"/>
-              <a:t>4/10/18</a:t>
+              <a:t>4/14/18</a:t>
             </a:fld>
             <a:endParaRPr lang="en-US"/>
           </a:p>
@@ -2234,7 +2234,7 @@
           <a:p>
             <a:fld id="{78C97017-6FC3-485B-9764-EAC9E56C1D49}" type="datetimeFigureOut">
               <a:rPr lang="en-US" smtClean="0"/>
-              <a:t>4/10/18</a:t>
+              <a:t>4/14/18</a:t>
             </a:fld>
             <a:endParaRPr lang="en-US"/>
           </a:p>
@@ -2329,7 +2329,7 @@
           <a:p>
             <a:fld id="{78C97017-6FC3-485B-9764-EAC9E56C1D49}" type="datetimeFigureOut">
               <a:rPr lang="en-US" smtClean="0"/>
-              <a:t>4/10/18</a:t>
+              <a:t>4/14/18</a:t>
             </a:fld>
             <a:endParaRPr lang="en-US"/>
           </a:p>
@@ -2604,7 +2604,7 @@
           <a:p>
             <a:fld id="{78C97017-6FC3-485B-9764-EAC9E56C1D49}" type="datetimeFigureOut">
               <a:rPr lang="en-US" smtClean="0"/>
-              <a:t>4/10/18</a:t>
+              <a:t>4/14/18</a:t>
             </a:fld>
             <a:endParaRPr lang="en-US"/>
           </a:p>
@@ -2856,7 +2856,7 @@
           <a:p>
             <a:fld id="{78C97017-6FC3-485B-9764-EAC9E56C1D49}" type="datetimeFigureOut">
               <a:rPr lang="en-US" smtClean="0"/>
-              <a:t>4/10/18</a:t>
+              <a:t>4/14/18</a:t>
             </a:fld>
             <a:endParaRPr lang="en-US"/>
           </a:p>
@@ -3067,7 +3067,7 @@
           <a:p>
             <a:fld id="{78C97017-6FC3-485B-9764-EAC9E56C1D49}" type="datetimeFigureOut">
               <a:rPr lang="en-US" smtClean="0"/>
-              <a:t>4/10/18</a:t>
+              <a:t>4/14/18</a:t>
             </a:fld>
             <a:endParaRPr lang="en-US"/>
           </a:p>
@@ -3450,8 +3450,8 @@
         </p:nvSpPr>
         <p:spPr>
           <a:xfrm>
-            <a:off x="338466" y="390992"/>
-            <a:ext cx="5814274" cy="5119974"/>
+            <a:off x="304800" y="457199"/>
+            <a:ext cx="5814274" cy="5622981"/>
           </a:xfrm>
           <a:prstGeom prst="roundRect">
             <a:avLst>
@@ -3511,8 +3511,8 @@
         </p:nvSpPr>
         <p:spPr>
           <a:xfrm>
-            <a:off x="883145" y="660598"/>
-            <a:ext cx="2061990" cy="204695"/>
+            <a:off x="850420" y="697059"/>
+            <a:ext cx="2061990" cy="224805"/>
           </a:xfrm>
           <a:prstGeom prst="rect">
             <a:avLst/>
@@ -3572,8 +3572,8 @@
         </p:nvCxnSpPr>
         <p:spPr>
           <a:xfrm>
-            <a:off x="1610959" y="907617"/>
-            <a:ext cx="0" cy="3481399"/>
+            <a:off x="1578234" y="944078"/>
+            <a:ext cx="0" cy="3823426"/>
           </a:xfrm>
           <a:prstGeom prst="line">
             <a:avLst/>
@@ -3609,8 +3609,8 @@
         </p:nvSpPr>
         <p:spPr>
           <a:xfrm>
-            <a:off x="1538950" y="1258310"/>
-            <a:ext cx="136895" cy="4252655"/>
+            <a:off x="1506225" y="1294771"/>
+            <a:ext cx="136895" cy="4670453"/>
           </a:xfrm>
           <a:prstGeom prst="rect">
             <a:avLst/>
@@ -3658,8 +3658,8 @@
         </p:nvCxnSpPr>
         <p:spPr>
           <a:xfrm>
-            <a:off x="4578754" y="2958366"/>
-            <a:ext cx="6501" cy="1412792"/>
+            <a:off x="4546029" y="2994827"/>
+            <a:ext cx="9798" cy="1551590"/>
           </a:xfrm>
           <a:prstGeom prst="line">
             <a:avLst/>
@@ -3695,7 +3695,7 @@
         </p:nvCxnSpPr>
         <p:spPr>
           <a:xfrm flipV="1">
-            <a:off x="185109" y="1423962"/>
+            <a:off x="152384" y="1460424"/>
             <a:ext cx="1353842" cy="1639"/>
           </a:xfrm>
           <a:prstGeom prst="straightConnector1">
@@ -3778,7 +3778,7 @@
         </p:nvCxnSpPr>
         <p:spPr>
           <a:xfrm flipV="1">
-            <a:off x="3048000" y="3787547"/>
+            <a:off x="3015275" y="3824009"/>
             <a:ext cx="1416234" cy="11387"/>
           </a:xfrm>
           <a:prstGeom prst="straightConnector1">
@@ -3813,9 +3813,9 @@
           <p:nvPr/>
         </p:nvCxnSpPr>
         <p:spPr>
-          <a:xfrm>
-            <a:off x="337525" y="4191000"/>
-            <a:ext cx="1239525" cy="0"/>
+          <a:xfrm flipV="1">
+            <a:off x="1605487" y="5780242"/>
+            <a:ext cx="1386773" cy="6609"/>
           </a:xfrm>
           <a:prstGeom prst="straightConnector1">
             <a:avLst/>
@@ -3846,55 +3846,14 @@
       </p:cxnSp>
       <p:sp>
         <p:nvSpPr>
-          <p:cNvPr id="83" name="TextBox 82"/>
-          <p:cNvSpPr txBox="1"/>
-          <p:nvPr/>
-        </p:nvSpPr>
-        <p:spPr>
-          <a:xfrm>
-            <a:off x="337525" y="3945901"/>
-            <a:ext cx="1153158" cy="215444"/>
-          </a:xfrm>
-          <a:prstGeom prst="rect">
-            <a:avLst/>
-          </a:prstGeom>
-          <a:noFill/>
-        </p:spPr>
-        <p:txBody>
-          <a:bodyPr wrap="square" lIns="0" tIns="0" rIns="0" bIns="0" rtlCol="0">
-            <a:spAutoFit/>
-          </a:bodyPr>
-          <a:lstStyle>
-            <a:defPPr>
-              <a:defRPr lang="en-US"/>
-            </a:defPPr>
-            <a:lvl1pPr algn="r">
-              <a:defRPr sz="1400">
-                <a:solidFill>
-                  <a:srgbClr val="0070C0"/>
-                </a:solidFill>
-              </a:defRPr>
-            </a:lvl1pPr>
-          </a:lstStyle>
-          <a:p>
-            <a:r>
-              <a:rPr lang="en-US" dirty="0" smtClean="0"/>
-              <a:t>SetCommand</a:t>
-            </a:r>
-            <a:endParaRPr lang="en-US" dirty="0"/>
-          </a:p>
-        </p:txBody>
-      </p:sp>
-      <p:sp>
-        <p:nvSpPr>
           <p:cNvPr id="19" name="Rectangle 62"/>
           <p:cNvSpPr/>
           <p:nvPr/>
         </p:nvSpPr>
         <p:spPr>
           <a:xfrm>
-            <a:off x="4022386" y="2549285"/>
-            <a:ext cx="1108000" cy="461538"/>
+            <a:off x="3989661" y="2585745"/>
+            <a:ext cx="1108000" cy="506881"/>
           </a:xfrm>
           <a:prstGeom prst="rect">
             <a:avLst/>
@@ -3952,8 +3911,8 @@
         </p:nvGrpSpPr>
         <p:grpSpPr>
           <a:xfrm>
-            <a:off x="1603821" y="1056918"/>
-            <a:ext cx="2129979" cy="1492367"/>
+            <a:off x="1571096" y="1093379"/>
+            <a:ext cx="2129979" cy="1638983"/>
             <a:chOff x="1615151" y="2642794"/>
             <a:chExt cx="2129979" cy="1492367"/>
           </a:xfrm>
@@ -4034,11 +3993,7 @@
             <a:p>
               <a:r>
                 <a:rPr lang="en-US" dirty="0" smtClean="0"/>
-                <a:t>String t</a:t>
-              </a:r>
-              <a:r>
-                <a:rPr lang="en-US" dirty="0" smtClean="0"/>
-                <a:t>agColour</a:t>
+                <a:t>String tagColour</a:t>
               </a:r>
               <a:endParaRPr lang="en-US" dirty="0"/>
             </a:p>
@@ -4421,7 +4376,7 @@
         </p:nvSpPr>
         <p:spPr>
           <a:xfrm>
-            <a:off x="3148407" y="3572429"/>
+            <a:off x="3115682" y="3608890"/>
             <a:ext cx="767033" cy="184666"/>
           </a:xfrm>
           <a:prstGeom prst="rect">
@@ -4466,10 +4421,10 @@
         </p:nvGrpSpPr>
         <p:grpSpPr>
           <a:xfrm>
-            <a:off x="662627" y="2755048"/>
-            <a:ext cx="3177903" cy="2731352"/>
+            <a:off x="629902" y="2791508"/>
+            <a:ext cx="3892769" cy="2995343"/>
             <a:chOff x="1622697" y="423022"/>
-            <a:chExt cx="3177903" cy="2731352"/>
+            <a:chExt cx="3892769" cy="2727393"/>
           </a:xfrm>
         </p:grpSpPr>
         <p:sp>
@@ -4480,8 +4435,8 @@
           </p:nvSpPr>
           <p:spPr>
             <a:xfrm>
-              <a:off x="3437188" y="423022"/>
-              <a:ext cx="1363412" cy="467684"/>
+              <a:off x="3354995" y="423022"/>
+              <a:ext cx="1528202" cy="467684"/>
             </a:xfrm>
             <a:prstGeom prst="rect">
               <a:avLst/>
@@ -4521,7 +4476,7 @@
                     <a:schemeClr val="bg1"/>
                   </a:solidFill>
                 </a:rPr>
-                <a:t>:SetCommand</a:t>
+                <a:t>s:SetCommand</a:t>
               </a:r>
               <a:endParaRPr lang="en-SG" sz="1600" dirty="0">
                 <a:solidFill>
@@ -4592,7 +4547,7 @@
           </p:nvCxnSpPr>
           <p:spPr>
             <a:xfrm>
-              <a:off x="2631006" y="3143781"/>
+              <a:off x="4082110" y="3017485"/>
               <a:ext cx="1433356" cy="10593"/>
             </a:xfrm>
             <a:prstGeom prst="straightConnector1">
@@ -4719,7 +4674,7 @@
           </p:nvSpPr>
           <p:spPr>
             <a:xfrm>
-              <a:off x="2658049" y="2884795"/>
+              <a:off x="4109153" y="2758498"/>
               <a:ext cx="1273822" cy="192024"/>
             </a:xfrm>
             <a:prstGeom prst="rect">
@@ -4761,8 +4716,8 @@
         </p:nvGrpSpPr>
         <p:grpSpPr>
           <a:xfrm>
-            <a:off x="4585255" y="390992"/>
-            <a:ext cx="5020279" cy="4253144"/>
+            <a:off x="4552530" y="427453"/>
+            <a:ext cx="5020279" cy="4670990"/>
             <a:chOff x="5667193" y="-1061440"/>
             <a:chExt cx="5020279" cy="4253144"/>
           </a:xfrm>
@@ -5542,11 +5497,7 @@
             <a:p>
               <a:r>
                 <a:rPr lang="en-US" sz="1200" smtClean="0"/>
-                <a:t>change</a:t>
-              </a:r>
-              <a:r>
-                <a:rPr lang="en-US" sz="1200" smtClean="0"/>
-                <a:t>Tagcolour</a:t>
+                <a:t>changeTagcolour</a:t>
               </a:r>
               <a:r>
                 <a:rPr lang="en-US" sz="1200" dirty="0" smtClean="0"/>
@@ -5603,10 +5554,10 @@
         </p:nvGrpSpPr>
         <p:grpSpPr>
           <a:xfrm>
-            <a:off x="3070077" y="4397681"/>
-            <a:ext cx="6429297" cy="1522366"/>
-            <a:chOff x="4080334" y="2982360"/>
-            <a:chExt cx="6429297" cy="1522366"/>
+            <a:off x="4636415" y="4434141"/>
+            <a:ext cx="4830234" cy="1671929"/>
+            <a:chOff x="5679397" y="2982360"/>
+            <a:chExt cx="4830234" cy="1522366"/>
           </a:xfrm>
         </p:grpSpPr>
         <p:sp>
@@ -6014,11 +5965,7 @@
             <a:p>
               <a:r>
                 <a:rPr lang="en-US" sz="1200" dirty="0" smtClean="0"/>
-                <a:t>ChangeEvent</a:t>
-              </a:r>
-              <a:r>
-                <a:rPr lang="en-US" sz="1200" dirty="0" smtClean="0"/>
-                <a:t>()</a:t>
+                <a:t>ChangeEvent()</a:t>
               </a:r>
               <a:endParaRPr lang="en-US" sz="1200" dirty="0"/>
             </a:p>
@@ -6070,8 +6017,8 @@
           </p:nvSpPr>
           <p:spPr>
             <a:xfrm>
-              <a:off x="4080334" y="3415162"/>
-              <a:ext cx="2058071" cy="184666"/>
+              <a:off x="5787838" y="3426118"/>
+              <a:ext cx="1425726" cy="184666"/>
             </a:xfrm>
             <a:prstGeom prst="rect">
               <a:avLst/>
@@ -6113,8 +6060,8 @@
           </p:nvCxnSpPr>
           <p:spPr>
             <a:xfrm flipV="1">
-              <a:off x="4099982" y="3648054"/>
-              <a:ext cx="3191822" cy="17926"/>
+              <a:off x="5679397" y="3648054"/>
+              <a:ext cx="1612407" cy="8140"/>
             </a:xfrm>
             <a:prstGeom prst="straightConnector1">
               <a:avLst/>
@@ -6150,8 +6097,8 @@
         </p:nvSpPr>
         <p:spPr>
           <a:xfrm>
-            <a:off x="4475098" y="3150262"/>
-            <a:ext cx="156687" cy="807536"/>
+            <a:off x="4442373" y="3186722"/>
+            <a:ext cx="179342" cy="2480475"/>
           </a:xfrm>
           <a:prstGeom prst="rect">
             <a:avLst/>
@@ -6186,6 +6133,164 @@
           <a:p>
             <a:pPr algn="ctr"/>
             <a:endParaRPr lang="en-SG" sz="1400"/>
+          </a:p>
+        </p:txBody>
+      </p:sp>
+      <p:cxnSp>
+        <p:nvCxnSpPr>
+          <p:cNvPr id="65" name="Straight Arrow Connector 64"/>
+          <p:cNvCxnSpPr/>
+          <p:nvPr/>
+        </p:nvCxnSpPr>
+        <p:spPr>
+          <a:xfrm flipV="1">
+            <a:off x="366909" y="5919486"/>
+            <a:ext cx="1386773" cy="6609"/>
+          </a:xfrm>
+          <a:prstGeom prst="straightConnector1">
+            <a:avLst/>
+          </a:prstGeom>
+          <a:ln w="19050">
+            <a:solidFill>
+              <a:schemeClr val="accent1"/>
+            </a:solidFill>
+            <a:prstDash val="sysDash"/>
+            <a:headEnd type="arrow" w="med" len="med"/>
+            <a:tailEnd type="none" w="med" len="med"/>
+          </a:ln>
+        </p:spPr>
+        <p:style>
+          <a:lnRef idx="1">
+            <a:schemeClr val="accent1"/>
+          </a:lnRef>
+          <a:fillRef idx="0">
+            <a:schemeClr val="accent1"/>
+          </a:fillRef>
+          <a:effectRef idx="0">
+            <a:schemeClr val="accent1"/>
+          </a:effectRef>
+          <a:fontRef idx="minor">
+            <a:schemeClr val="tx1"/>
+          </a:fontRef>
+        </p:style>
+      </p:cxnSp>
+      <p:sp>
+        <p:nvSpPr>
+          <p:cNvPr id="74" name="TextBox 73"/>
+          <p:cNvSpPr txBox="1"/>
+          <p:nvPr/>
+        </p:nvSpPr>
+        <p:spPr>
+          <a:xfrm>
+            <a:off x="971222" y="5638800"/>
+            <a:ext cx="429347" cy="215444"/>
+          </a:xfrm>
+          <a:prstGeom prst="rect">
+            <a:avLst/>
+          </a:prstGeom>
+          <a:noFill/>
+        </p:spPr>
+        <p:txBody>
+          <a:bodyPr wrap="square" lIns="0" tIns="0" rIns="0" bIns="0" rtlCol="0">
+            <a:spAutoFit/>
+          </a:bodyPr>
+          <a:lstStyle>
+            <a:defPPr>
+              <a:defRPr lang="en-US"/>
+            </a:defPPr>
+            <a:lvl1pPr algn="r">
+              <a:defRPr sz="1400">
+                <a:solidFill>
+                  <a:srgbClr val="0070C0"/>
+                </a:solidFill>
+              </a:defRPr>
+            </a:lvl1pPr>
+          </a:lstStyle>
+          <a:p>
+            <a:r>
+              <a:rPr lang="en-US" dirty="0" smtClean="0"/>
+              <a:t>s</a:t>
+            </a:r>
+            <a:endParaRPr lang="en-US" dirty="0"/>
+          </a:p>
+        </p:txBody>
+      </p:sp>
+      <p:cxnSp>
+        <p:nvCxnSpPr>
+          <p:cNvPr id="75" name="Straight Arrow Connector 74"/>
+          <p:cNvCxnSpPr/>
+          <p:nvPr/>
+        </p:nvCxnSpPr>
+        <p:spPr>
+          <a:xfrm flipV="1">
+            <a:off x="1605487" y="5780242"/>
+            <a:ext cx="1386773" cy="6609"/>
+          </a:xfrm>
+          <a:prstGeom prst="straightConnector1">
+            <a:avLst/>
+          </a:prstGeom>
+          <a:ln w="19050">
+            <a:solidFill>
+              <a:schemeClr val="accent1"/>
+            </a:solidFill>
+            <a:prstDash val="sysDash"/>
+            <a:headEnd type="arrow" w="med" len="med"/>
+            <a:tailEnd type="none" w="med" len="med"/>
+          </a:ln>
+        </p:spPr>
+        <p:style>
+          <a:lnRef idx="1">
+            <a:schemeClr val="accent1"/>
+          </a:lnRef>
+          <a:fillRef idx="0">
+            <a:schemeClr val="accent1"/>
+          </a:fillRef>
+          <a:effectRef idx="0">
+            <a:schemeClr val="accent1"/>
+          </a:effectRef>
+          <a:fontRef idx="minor">
+            <a:schemeClr val="tx1"/>
+          </a:fontRef>
+        </p:style>
+      </p:cxnSp>
+      <p:sp>
+        <p:nvSpPr>
+          <p:cNvPr id="76" name="TextBox 75"/>
+          <p:cNvSpPr txBox="1"/>
+          <p:nvPr/>
+        </p:nvSpPr>
+        <p:spPr>
+          <a:xfrm>
+            <a:off x="1613617" y="5486913"/>
+            <a:ext cx="1301640" cy="215444"/>
+          </a:xfrm>
+          <a:prstGeom prst="rect">
+            <a:avLst/>
+          </a:prstGeom>
+          <a:noFill/>
+        </p:spPr>
+        <p:txBody>
+          <a:bodyPr wrap="square" lIns="0" tIns="0" rIns="0" bIns="0" rtlCol="0">
+            <a:spAutoFit/>
+          </a:bodyPr>
+          <a:lstStyle>
+            <a:defPPr>
+              <a:defRPr lang="en-US"/>
+            </a:defPPr>
+            <a:lvl1pPr algn="r">
+              <a:defRPr sz="1400">
+                <a:solidFill>
+                  <a:srgbClr val="0070C0"/>
+                </a:solidFill>
+              </a:defRPr>
+            </a:lvl1pPr>
+          </a:lstStyle>
+          <a:p>
+            <a:r>
+              <a:rPr lang="en-US" dirty="0" smtClean="0"/>
+              <a:t>SetCommand()</a:t>
+            </a:r>
+            <a:endParaRPr lang="en-US" dirty="0"/>
           </a:p>
         </p:txBody>
       </p:sp>
